--- a/figures/Chapter 3 - Tree Structures/3.2 Heaps.pptx
+++ b/figures/Chapter 3 - Tree Structures/3.2 Heaps.pptx
@@ -159,10 +159,9 @@
           </a:lstStyle>
           <a:p>
             <a:r>
-              <a:rPr lang="en-US" smtClean="0"/>
+              <a:rPr lang="en-US"/>
               <a:t>Click to edit Master title style</a:t>
             </a:r>
-            <a:endParaRPr lang="en-US"/>
           </a:p>
         </p:txBody>
       </p:sp>
@@ -224,10 +223,9 @@
           </a:lstStyle>
           <a:p>
             <a:r>
-              <a:rPr lang="en-US" smtClean="0"/>
+              <a:rPr lang="en-US"/>
               <a:t>Click to edit Master subtitle style</a:t>
             </a:r>
-            <a:endParaRPr lang="en-US"/>
           </a:p>
         </p:txBody>
       </p:sp>
@@ -248,7 +246,7 @@
           <a:p>
             <a:fld id="{BB7DCC67-5970-4D38-BCD6-A5FE23A66C8D}" type="datetimeFigureOut">
               <a:rPr lang="en-US" smtClean="0"/>
-              <a:t>7/24/2016</a:t>
+              <a:t>5/8/18</a:t>
             </a:fld>
             <a:endParaRPr lang="en-US"/>
           </a:p>
@@ -342,10 +340,9 @@
           <a:lstStyle/>
           <a:p>
             <a:r>
-              <a:rPr lang="en-US" smtClean="0"/>
+              <a:rPr lang="en-US"/>
               <a:t>Click to edit Master title style</a:t>
             </a:r>
-            <a:endParaRPr lang="en-US"/>
           </a:p>
         </p:txBody>
       </p:sp>
@@ -366,38 +363,37 @@
           <a:p>
             <a:pPr lvl="0"/>
             <a:r>
-              <a:rPr lang="en-US" smtClean="0"/>
+              <a:rPr lang="en-US"/>
               <a:t>Click to edit Master text styles</a:t>
             </a:r>
           </a:p>
           <a:p>
             <a:pPr lvl="1"/>
             <a:r>
-              <a:rPr lang="en-US" smtClean="0"/>
+              <a:rPr lang="en-US"/>
               <a:t>Second level</a:t>
             </a:r>
           </a:p>
           <a:p>
             <a:pPr lvl="2"/>
             <a:r>
-              <a:rPr lang="en-US" smtClean="0"/>
+              <a:rPr lang="en-US"/>
               <a:t>Third level</a:t>
             </a:r>
           </a:p>
           <a:p>
             <a:pPr lvl="3"/>
             <a:r>
-              <a:rPr lang="en-US" smtClean="0"/>
+              <a:rPr lang="en-US"/>
               <a:t>Fourth level</a:t>
             </a:r>
           </a:p>
           <a:p>
             <a:pPr lvl="4"/>
             <a:r>
-              <a:rPr lang="en-US" smtClean="0"/>
+              <a:rPr lang="en-US"/>
               <a:t>Fifth level</a:t>
             </a:r>
-            <a:endParaRPr lang="en-US"/>
           </a:p>
         </p:txBody>
       </p:sp>
@@ -418,7 +414,7 @@
           <a:p>
             <a:fld id="{BB7DCC67-5970-4D38-BCD6-A5FE23A66C8D}" type="datetimeFigureOut">
               <a:rPr lang="en-US" smtClean="0"/>
-              <a:t>7/24/2016</a:t>
+              <a:t>5/8/18</a:t>
             </a:fld>
             <a:endParaRPr lang="en-US"/>
           </a:p>
@@ -517,10 +513,9 @@
           <a:lstStyle/>
           <a:p>
             <a:r>
-              <a:rPr lang="en-US" smtClean="0"/>
+              <a:rPr lang="en-US"/>
               <a:t>Click to edit Master title style</a:t>
             </a:r>
-            <a:endParaRPr lang="en-US"/>
           </a:p>
         </p:txBody>
       </p:sp>
@@ -546,38 +541,37 @@
           <a:p>
             <a:pPr lvl="0"/>
             <a:r>
-              <a:rPr lang="en-US" smtClean="0"/>
+              <a:rPr lang="en-US"/>
               <a:t>Click to edit Master text styles</a:t>
             </a:r>
           </a:p>
           <a:p>
             <a:pPr lvl="1"/>
             <a:r>
-              <a:rPr lang="en-US" smtClean="0"/>
+              <a:rPr lang="en-US"/>
               <a:t>Second level</a:t>
             </a:r>
           </a:p>
           <a:p>
             <a:pPr lvl="2"/>
             <a:r>
-              <a:rPr lang="en-US" smtClean="0"/>
+              <a:rPr lang="en-US"/>
               <a:t>Third level</a:t>
             </a:r>
           </a:p>
           <a:p>
             <a:pPr lvl="3"/>
             <a:r>
-              <a:rPr lang="en-US" smtClean="0"/>
+              <a:rPr lang="en-US"/>
               <a:t>Fourth level</a:t>
             </a:r>
           </a:p>
           <a:p>
             <a:pPr lvl="4"/>
             <a:r>
-              <a:rPr lang="en-US" smtClean="0"/>
+              <a:rPr lang="en-US"/>
               <a:t>Fifth level</a:t>
             </a:r>
-            <a:endParaRPr lang="en-US"/>
           </a:p>
         </p:txBody>
       </p:sp>
@@ -598,7 +592,7 @@
           <a:p>
             <a:fld id="{BB7DCC67-5970-4D38-BCD6-A5FE23A66C8D}" type="datetimeFigureOut">
               <a:rPr lang="en-US" smtClean="0"/>
-              <a:t>7/24/2016</a:t>
+              <a:t>5/8/18</a:t>
             </a:fld>
             <a:endParaRPr lang="en-US"/>
           </a:p>
@@ -692,10 +686,9 @@
           <a:lstStyle/>
           <a:p>
             <a:r>
-              <a:rPr lang="en-US" smtClean="0"/>
+              <a:rPr lang="en-US"/>
               <a:t>Click to edit Master title style</a:t>
             </a:r>
-            <a:endParaRPr lang="en-US"/>
           </a:p>
         </p:txBody>
       </p:sp>
@@ -716,38 +709,37 @@
           <a:p>
             <a:pPr lvl="0"/>
             <a:r>
-              <a:rPr lang="en-US" smtClean="0"/>
+              <a:rPr lang="en-US"/>
               <a:t>Click to edit Master text styles</a:t>
             </a:r>
           </a:p>
           <a:p>
             <a:pPr lvl="1"/>
             <a:r>
-              <a:rPr lang="en-US" smtClean="0"/>
+              <a:rPr lang="en-US"/>
               <a:t>Second level</a:t>
             </a:r>
           </a:p>
           <a:p>
             <a:pPr lvl="2"/>
             <a:r>
-              <a:rPr lang="en-US" smtClean="0"/>
+              <a:rPr lang="en-US"/>
               <a:t>Third level</a:t>
             </a:r>
           </a:p>
           <a:p>
             <a:pPr lvl="3"/>
             <a:r>
-              <a:rPr lang="en-US" smtClean="0"/>
+              <a:rPr lang="en-US"/>
               <a:t>Fourth level</a:t>
             </a:r>
           </a:p>
           <a:p>
             <a:pPr lvl="4"/>
             <a:r>
-              <a:rPr lang="en-US" smtClean="0"/>
+              <a:rPr lang="en-US"/>
               <a:t>Fifth level</a:t>
             </a:r>
-            <a:endParaRPr lang="en-US"/>
           </a:p>
         </p:txBody>
       </p:sp>
@@ -768,7 +760,7 @@
           <a:p>
             <a:fld id="{BB7DCC67-5970-4D38-BCD6-A5FE23A66C8D}" type="datetimeFigureOut">
               <a:rPr lang="en-US" smtClean="0"/>
-              <a:t>7/24/2016</a:t>
+              <a:t>5/8/18</a:t>
             </a:fld>
             <a:endParaRPr lang="en-US"/>
           </a:p>
@@ -871,10 +863,9 @@
           </a:lstStyle>
           <a:p>
             <a:r>
-              <a:rPr lang="en-US" smtClean="0"/>
+              <a:rPr lang="en-US"/>
               <a:t>Click to edit Master title style</a:t>
             </a:r>
-            <a:endParaRPr lang="en-US"/>
           </a:p>
         </p:txBody>
       </p:sp>
@@ -991,7 +982,7 @@
           <a:p>
             <a:pPr lvl="0"/>
             <a:r>
-              <a:rPr lang="en-US" smtClean="0"/>
+              <a:rPr lang="en-US"/>
               <a:t>Click to edit Master text styles</a:t>
             </a:r>
           </a:p>
@@ -1014,7 +1005,7 @@
           <a:p>
             <a:fld id="{BB7DCC67-5970-4D38-BCD6-A5FE23A66C8D}" type="datetimeFigureOut">
               <a:rPr lang="en-US" smtClean="0"/>
-              <a:t>7/24/2016</a:t>
+              <a:t>5/8/18</a:t>
             </a:fld>
             <a:endParaRPr lang="en-US"/>
           </a:p>
@@ -1108,10 +1099,9 @@
           <a:lstStyle/>
           <a:p>
             <a:r>
-              <a:rPr lang="en-US" smtClean="0"/>
+              <a:rPr lang="en-US"/>
               <a:t>Click to edit Master title style</a:t>
             </a:r>
-            <a:endParaRPr lang="en-US"/>
           </a:p>
         </p:txBody>
       </p:sp>
@@ -1137,38 +1127,37 @@
           <a:p>
             <a:pPr lvl="0"/>
             <a:r>
-              <a:rPr lang="en-US" smtClean="0"/>
+              <a:rPr lang="en-US"/>
               <a:t>Click to edit Master text styles</a:t>
             </a:r>
           </a:p>
           <a:p>
             <a:pPr lvl="1"/>
             <a:r>
-              <a:rPr lang="en-US" smtClean="0"/>
+              <a:rPr lang="en-US"/>
               <a:t>Second level</a:t>
             </a:r>
           </a:p>
           <a:p>
             <a:pPr lvl="2"/>
             <a:r>
-              <a:rPr lang="en-US" smtClean="0"/>
+              <a:rPr lang="en-US"/>
               <a:t>Third level</a:t>
             </a:r>
           </a:p>
           <a:p>
             <a:pPr lvl="3"/>
             <a:r>
-              <a:rPr lang="en-US" smtClean="0"/>
+              <a:rPr lang="en-US"/>
               <a:t>Fourth level</a:t>
             </a:r>
           </a:p>
           <a:p>
             <a:pPr lvl="4"/>
             <a:r>
-              <a:rPr lang="en-US" smtClean="0"/>
+              <a:rPr lang="en-US"/>
               <a:t>Fifth level</a:t>
             </a:r>
-            <a:endParaRPr lang="en-US"/>
           </a:p>
         </p:txBody>
       </p:sp>
@@ -1194,38 +1183,37 @@
           <a:p>
             <a:pPr lvl="0"/>
             <a:r>
-              <a:rPr lang="en-US" smtClean="0"/>
+              <a:rPr lang="en-US"/>
               <a:t>Click to edit Master text styles</a:t>
             </a:r>
           </a:p>
           <a:p>
             <a:pPr lvl="1"/>
             <a:r>
-              <a:rPr lang="en-US" smtClean="0"/>
+              <a:rPr lang="en-US"/>
               <a:t>Second level</a:t>
             </a:r>
           </a:p>
           <a:p>
             <a:pPr lvl="2"/>
             <a:r>
-              <a:rPr lang="en-US" smtClean="0"/>
+              <a:rPr lang="en-US"/>
               <a:t>Third level</a:t>
             </a:r>
           </a:p>
           <a:p>
             <a:pPr lvl="3"/>
             <a:r>
-              <a:rPr lang="en-US" smtClean="0"/>
+              <a:rPr lang="en-US"/>
               <a:t>Fourth level</a:t>
             </a:r>
           </a:p>
           <a:p>
             <a:pPr lvl="4"/>
             <a:r>
-              <a:rPr lang="en-US" smtClean="0"/>
+              <a:rPr lang="en-US"/>
               <a:t>Fifth level</a:t>
             </a:r>
-            <a:endParaRPr lang="en-US"/>
           </a:p>
         </p:txBody>
       </p:sp>
@@ -1246,7 +1234,7 @@
           <a:p>
             <a:fld id="{BB7DCC67-5970-4D38-BCD6-A5FE23A66C8D}" type="datetimeFigureOut">
               <a:rPr lang="en-US" smtClean="0"/>
-              <a:t>7/24/2016</a:t>
+              <a:t>5/8/18</a:t>
             </a:fld>
             <a:endParaRPr lang="en-US"/>
           </a:p>
@@ -1345,10 +1333,9 @@
           <a:lstStyle/>
           <a:p>
             <a:r>
-              <a:rPr lang="en-US" smtClean="0"/>
+              <a:rPr lang="en-US"/>
               <a:t>Click to edit Master title style</a:t>
             </a:r>
-            <a:endParaRPr lang="en-US"/>
           </a:p>
         </p:txBody>
       </p:sp>
@@ -1411,7 +1398,7 @@
           <a:p>
             <a:pPr lvl="0"/>
             <a:r>
-              <a:rPr lang="en-US" smtClean="0"/>
+              <a:rPr lang="en-US"/>
               <a:t>Click to edit Master text styles</a:t>
             </a:r>
           </a:p>
@@ -1439,38 +1426,37 @@
           <a:p>
             <a:pPr lvl="0"/>
             <a:r>
-              <a:rPr lang="en-US" smtClean="0"/>
+              <a:rPr lang="en-US"/>
               <a:t>Click to edit Master text styles</a:t>
             </a:r>
           </a:p>
           <a:p>
             <a:pPr lvl="1"/>
             <a:r>
-              <a:rPr lang="en-US" smtClean="0"/>
+              <a:rPr lang="en-US"/>
               <a:t>Second level</a:t>
             </a:r>
           </a:p>
           <a:p>
             <a:pPr lvl="2"/>
             <a:r>
-              <a:rPr lang="en-US" smtClean="0"/>
+              <a:rPr lang="en-US"/>
               <a:t>Third level</a:t>
             </a:r>
           </a:p>
           <a:p>
             <a:pPr lvl="3"/>
             <a:r>
-              <a:rPr lang="en-US" smtClean="0"/>
+              <a:rPr lang="en-US"/>
               <a:t>Fourth level</a:t>
             </a:r>
           </a:p>
           <a:p>
             <a:pPr lvl="4"/>
             <a:r>
-              <a:rPr lang="en-US" smtClean="0"/>
+              <a:rPr lang="en-US"/>
               <a:t>Fifth level</a:t>
             </a:r>
-            <a:endParaRPr lang="en-US"/>
           </a:p>
         </p:txBody>
       </p:sp>
@@ -1533,7 +1519,7 @@
           <a:p>
             <a:pPr lvl="0"/>
             <a:r>
-              <a:rPr lang="en-US" smtClean="0"/>
+              <a:rPr lang="en-US"/>
               <a:t>Click to edit Master text styles</a:t>
             </a:r>
           </a:p>
@@ -1561,38 +1547,37 @@
           <a:p>
             <a:pPr lvl="0"/>
             <a:r>
-              <a:rPr lang="en-US" smtClean="0"/>
+              <a:rPr lang="en-US"/>
               <a:t>Click to edit Master text styles</a:t>
             </a:r>
           </a:p>
           <a:p>
             <a:pPr lvl="1"/>
             <a:r>
-              <a:rPr lang="en-US" smtClean="0"/>
+              <a:rPr lang="en-US"/>
               <a:t>Second level</a:t>
             </a:r>
           </a:p>
           <a:p>
             <a:pPr lvl="2"/>
             <a:r>
-              <a:rPr lang="en-US" smtClean="0"/>
+              <a:rPr lang="en-US"/>
               <a:t>Third level</a:t>
             </a:r>
           </a:p>
           <a:p>
             <a:pPr lvl="3"/>
             <a:r>
-              <a:rPr lang="en-US" smtClean="0"/>
+              <a:rPr lang="en-US"/>
               <a:t>Fourth level</a:t>
             </a:r>
           </a:p>
           <a:p>
             <a:pPr lvl="4"/>
             <a:r>
-              <a:rPr lang="en-US" smtClean="0"/>
+              <a:rPr lang="en-US"/>
               <a:t>Fifth level</a:t>
             </a:r>
-            <a:endParaRPr lang="en-US"/>
           </a:p>
         </p:txBody>
       </p:sp>
@@ -1613,7 +1598,7 @@
           <a:p>
             <a:fld id="{BB7DCC67-5970-4D38-BCD6-A5FE23A66C8D}" type="datetimeFigureOut">
               <a:rPr lang="en-US" smtClean="0"/>
-              <a:t>7/24/2016</a:t>
+              <a:t>5/8/18</a:t>
             </a:fld>
             <a:endParaRPr lang="en-US"/>
           </a:p>
@@ -1707,10 +1692,9 @@
           <a:lstStyle/>
           <a:p>
             <a:r>
-              <a:rPr lang="en-US" smtClean="0"/>
+              <a:rPr lang="en-US"/>
               <a:t>Click to edit Master title style</a:t>
             </a:r>
-            <a:endParaRPr lang="en-US"/>
           </a:p>
         </p:txBody>
       </p:sp>
@@ -1731,7 +1715,7 @@
           <a:p>
             <a:fld id="{BB7DCC67-5970-4D38-BCD6-A5FE23A66C8D}" type="datetimeFigureOut">
               <a:rPr lang="en-US" smtClean="0"/>
-              <a:t>7/24/2016</a:t>
+              <a:t>5/8/18</a:t>
             </a:fld>
             <a:endParaRPr lang="en-US"/>
           </a:p>
@@ -1826,7 +1810,7 @@
           <a:p>
             <a:fld id="{BB7DCC67-5970-4D38-BCD6-A5FE23A66C8D}" type="datetimeFigureOut">
               <a:rPr lang="en-US" smtClean="0"/>
-              <a:t>7/24/2016</a:t>
+              <a:t>5/8/18</a:t>
             </a:fld>
             <a:endParaRPr lang="en-US"/>
           </a:p>
@@ -1929,10 +1913,9 @@
           </a:lstStyle>
           <a:p>
             <a:r>
-              <a:rPr lang="en-US" smtClean="0"/>
+              <a:rPr lang="en-US"/>
               <a:t>Click to edit Master title style</a:t>
             </a:r>
-            <a:endParaRPr lang="en-US"/>
           </a:p>
         </p:txBody>
       </p:sp>
@@ -1986,38 +1969,37 @@
           <a:p>
             <a:pPr lvl="0"/>
             <a:r>
-              <a:rPr lang="en-US" smtClean="0"/>
+              <a:rPr lang="en-US"/>
               <a:t>Click to edit Master text styles</a:t>
             </a:r>
           </a:p>
           <a:p>
             <a:pPr lvl="1"/>
             <a:r>
-              <a:rPr lang="en-US" smtClean="0"/>
+              <a:rPr lang="en-US"/>
               <a:t>Second level</a:t>
             </a:r>
           </a:p>
           <a:p>
             <a:pPr lvl="2"/>
             <a:r>
-              <a:rPr lang="en-US" smtClean="0"/>
+              <a:rPr lang="en-US"/>
               <a:t>Third level</a:t>
             </a:r>
           </a:p>
           <a:p>
             <a:pPr lvl="3"/>
             <a:r>
-              <a:rPr lang="en-US" smtClean="0"/>
+              <a:rPr lang="en-US"/>
               <a:t>Fourth level</a:t>
             </a:r>
           </a:p>
           <a:p>
             <a:pPr lvl="4"/>
             <a:r>
-              <a:rPr lang="en-US" smtClean="0"/>
+              <a:rPr lang="en-US"/>
               <a:t>Fifth level</a:t>
             </a:r>
-            <a:endParaRPr lang="en-US"/>
           </a:p>
         </p:txBody>
       </p:sp>
@@ -2080,7 +2062,7 @@
           <a:p>
             <a:pPr lvl="0"/>
             <a:r>
-              <a:rPr lang="en-US" smtClean="0"/>
+              <a:rPr lang="en-US"/>
               <a:t>Click to edit Master text styles</a:t>
             </a:r>
           </a:p>
@@ -2103,7 +2085,7 @@
           <a:p>
             <a:fld id="{BB7DCC67-5970-4D38-BCD6-A5FE23A66C8D}" type="datetimeFigureOut">
               <a:rPr lang="en-US" smtClean="0"/>
-              <a:t>7/24/2016</a:t>
+              <a:t>5/8/18</a:t>
             </a:fld>
             <a:endParaRPr lang="en-US"/>
           </a:p>
@@ -2206,10 +2188,9 @@
           </a:lstStyle>
           <a:p>
             <a:r>
-              <a:rPr lang="en-US" smtClean="0"/>
+              <a:rPr lang="en-US"/>
               <a:t>Click to edit Master title style</a:t>
             </a:r>
-            <a:endParaRPr lang="en-US"/>
           </a:p>
         </p:txBody>
       </p:sp>
@@ -2333,7 +2314,7 @@
           <a:p>
             <a:pPr lvl="0"/>
             <a:r>
-              <a:rPr lang="en-US" smtClean="0"/>
+              <a:rPr lang="en-US"/>
               <a:t>Click to edit Master text styles</a:t>
             </a:r>
           </a:p>
@@ -2356,7 +2337,7 @@
           <a:p>
             <a:fld id="{BB7DCC67-5970-4D38-BCD6-A5FE23A66C8D}" type="datetimeFigureOut">
               <a:rPr lang="en-US" smtClean="0"/>
-              <a:t>7/24/2016</a:t>
+              <a:t>5/8/18</a:t>
             </a:fld>
             <a:endParaRPr lang="en-US"/>
           </a:p>
@@ -2465,10 +2446,9 @@
           <a:lstStyle/>
           <a:p>
             <a:r>
-              <a:rPr lang="en-US" smtClean="0"/>
+              <a:rPr lang="en-US"/>
               <a:t>Click to edit Master title style</a:t>
             </a:r>
-            <a:endParaRPr lang="en-US"/>
           </a:p>
         </p:txBody>
       </p:sp>
@@ -2499,38 +2479,37 @@
           <a:p>
             <a:pPr lvl="0"/>
             <a:r>
-              <a:rPr lang="en-US" smtClean="0"/>
+              <a:rPr lang="en-US"/>
               <a:t>Click to edit Master text styles</a:t>
             </a:r>
           </a:p>
           <a:p>
             <a:pPr lvl="1"/>
             <a:r>
-              <a:rPr lang="en-US" smtClean="0"/>
+              <a:rPr lang="en-US"/>
               <a:t>Second level</a:t>
             </a:r>
           </a:p>
           <a:p>
             <a:pPr lvl="2"/>
             <a:r>
-              <a:rPr lang="en-US" smtClean="0"/>
+              <a:rPr lang="en-US"/>
               <a:t>Third level</a:t>
             </a:r>
           </a:p>
           <a:p>
             <a:pPr lvl="3"/>
             <a:r>
-              <a:rPr lang="en-US" smtClean="0"/>
+              <a:rPr lang="en-US"/>
               <a:t>Fourth level</a:t>
             </a:r>
           </a:p>
           <a:p>
             <a:pPr lvl="4"/>
             <a:r>
-              <a:rPr lang="en-US" smtClean="0"/>
+              <a:rPr lang="en-US"/>
               <a:t>Fifth level</a:t>
             </a:r>
-            <a:endParaRPr lang="en-US"/>
           </a:p>
         </p:txBody>
       </p:sp>
@@ -2569,7 +2548,7 @@
           <a:p>
             <a:fld id="{BB7DCC67-5970-4D38-BCD6-A5FE23A66C8D}" type="datetimeFigureOut">
               <a:rPr lang="en-US" smtClean="0"/>
-              <a:t>7/24/2016</a:t>
+              <a:t>5/8/18</a:t>
             </a:fld>
             <a:endParaRPr lang="en-US"/>
           </a:p>
@@ -3017,18 +2996,13 @@
           <a:p>
             <a:pPr algn="ctr"/>
             <a:r>
-              <a:rPr lang="en-US" sz="2800" dirty="0" smtClean="0">
+              <a:rPr lang="en-US" sz="2800" dirty="0">
                 <a:solidFill>
                   <a:schemeClr val="tx1"/>
                 </a:solidFill>
               </a:rPr>
               <a:t>0</a:t>
             </a:r>
-            <a:endParaRPr lang="en-US" sz="2800" dirty="0">
-              <a:solidFill>
-                <a:schemeClr val="tx1"/>
-              </a:solidFill>
-            </a:endParaRPr>
           </a:p>
         </p:txBody>
       </p:sp>
@@ -3075,18 +3049,13 @@
           <a:p>
             <a:pPr algn="ctr"/>
             <a:r>
-              <a:rPr lang="en-US" sz="2800" dirty="0" smtClean="0">
+              <a:rPr lang="en-US" sz="2800" dirty="0">
                 <a:solidFill>
                   <a:schemeClr val="tx1"/>
                 </a:solidFill>
               </a:rPr>
               <a:t>2</a:t>
             </a:r>
-            <a:endParaRPr lang="en-US" sz="2800" dirty="0">
-              <a:solidFill>
-                <a:schemeClr val="tx1"/>
-              </a:solidFill>
-            </a:endParaRPr>
           </a:p>
         </p:txBody>
       </p:sp>
@@ -3133,18 +3102,13 @@
           <a:p>
             <a:pPr algn="ctr"/>
             <a:r>
-              <a:rPr lang="en-US" sz="2800" dirty="0" smtClean="0">
+              <a:rPr lang="en-US" sz="2800" dirty="0">
                 <a:solidFill>
                   <a:schemeClr val="tx1"/>
                 </a:solidFill>
               </a:rPr>
               <a:t>1</a:t>
             </a:r>
-            <a:endParaRPr lang="en-US" sz="2800" dirty="0">
-              <a:solidFill>
-                <a:schemeClr val="tx1"/>
-              </a:solidFill>
-            </a:endParaRPr>
           </a:p>
         </p:txBody>
       </p:sp>
@@ -3269,18 +3233,13 @@
           <a:p>
             <a:pPr algn="ctr"/>
             <a:r>
-              <a:rPr lang="en-US" sz="2800" dirty="0" smtClean="0">
+              <a:rPr lang="en-US" sz="2800" dirty="0">
                 <a:solidFill>
                   <a:schemeClr val="tx1"/>
                 </a:solidFill>
               </a:rPr>
               <a:t>5</a:t>
             </a:r>
-            <a:endParaRPr lang="en-US" sz="2800" dirty="0">
-              <a:solidFill>
-                <a:schemeClr val="tx1"/>
-              </a:solidFill>
-            </a:endParaRPr>
           </a:p>
         </p:txBody>
       </p:sp>
@@ -3366,18 +3325,13 @@
           <a:p>
             <a:pPr algn="ctr"/>
             <a:r>
-              <a:rPr lang="en-US" sz="2800" dirty="0" smtClean="0">
+              <a:rPr lang="en-US" sz="2800" dirty="0">
                 <a:solidFill>
                   <a:schemeClr val="tx1"/>
                 </a:solidFill>
               </a:rPr>
               <a:t>4</a:t>
             </a:r>
-            <a:endParaRPr lang="en-US" sz="2800" dirty="0">
-              <a:solidFill>
-                <a:schemeClr val="tx1"/>
-              </a:solidFill>
-            </a:endParaRPr>
           </a:p>
         </p:txBody>
       </p:sp>
@@ -3424,18 +3378,13 @@
           <a:p>
             <a:pPr algn="ctr"/>
             <a:r>
-              <a:rPr lang="en-US" sz="2800" dirty="0" smtClean="0">
+              <a:rPr lang="en-US" sz="2800" dirty="0">
                 <a:solidFill>
                   <a:schemeClr val="tx1"/>
                 </a:solidFill>
               </a:rPr>
               <a:t>3</a:t>
             </a:r>
-            <a:endParaRPr lang="en-US" sz="2800" dirty="0">
-              <a:solidFill>
-                <a:schemeClr val="tx1"/>
-              </a:solidFill>
-            </a:endParaRPr>
           </a:p>
         </p:txBody>
       </p:sp>
@@ -3590,18 +3539,13 @@
           <a:p>
             <a:pPr algn="ctr"/>
             <a:r>
-              <a:rPr lang="en-US" sz="2800" dirty="0" smtClean="0">
+              <a:rPr lang="en-US" sz="2800" dirty="0">
                 <a:solidFill>
                   <a:schemeClr val="tx1"/>
                 </a:solidFill>
               </a:rPr>
               <a:t>4</a:t>
             </a:r>
-            <a:endParaRPr lang="en-US" sz="2800" dirty="0">
-              <a:solidFill>
-                <a:schemeClr val="tx1"/>
-              </a:solidFill>
-            </a:endParaRPr>
           </a:p>
         </p:txBody>
       </p:sp>
@@ -3648,18 +3592,13 @@
           <a:p>
             <a:pPr algn="ctr"/>
             <a:r>
-              <a:rPr lang="en-US" sz="2800" dirty="0" smtClean="0">
+              <a:rPr lang="en-US" sz="2800" dirty="0">
                 <a:solidFill>
                   <a:schemeClr val="tx1"/>
                 </a:solidFill>
               </a:rPr>
               <a:t>0</a:t>
             </a:r>
-            <a:endParaRPr lang="en-US" sz="2800" dirty="0">
-              <a:solidFill>
-                <a:schemeClr val="tx1"/>
-              </a:solidFill>
-            </a:endParaRPr>
           </a:p>
         </p:txBody>
       </p:sp>
@@ -3706,18 +3645,13 @@
           <a:p>
             <a:pPr algn="ctr"/>
             <a:r>
-              <a:rPr lang="en-US" sz="2800" dirty="0" smtClean="0">
+              <a:rPr lang="en-US" sz="2800" dirty="0">
                 <a:solidFill>
                   <a:schemeClr val="tx1"/>
                 </a:solidFill>
               </a:rPr>
               <a:t>3</a:t>
             </a:r>
-            <a:endParaRPr lang="en-US" sz="2800" dirty="0">
-              <a:solidFill>
-                <a:schemeClr val="tx1"/>
-              </a:solidFill>
-            </a:endParaRPr>
           </a:p>
         </p:txBody>
       </p:sp>
@@ -3842,18 +3776,13 @@
           <a:p>
             <a:pPr algn="ctr"/>
             <a:r>
-              <a:rPr lang="en-US" sz="2800" dirty="0" smtClean="0">
+              <a:rPr lang="en-US" sz="2800" dirty="0">
                 <a:solidFill>
                   <a:schemeClr val="tx1"/>
                 </a:solidFill>
               </a:rPr>
               <a:t>2</a:t>
             </a:r>
-            <a:endParaRPr lang="en-US" sz="2800" dirty="0">
-              <a:solidFill>
-                <a:schemeClr val="tx1"/>
-              </a:solidFill>
-            </a:endParaRPr>
           </a:p>
         </p:txBody>
       </p:sp>
@@ -3900,18 +3829,13 @@
           <a:p>
             <a:pPr algn="ctr"/>
             <a:r>
-              <a:rPr lang="en-US" sz="2800" dirty="0" smtClean="0">
+              <a:rPr lang="en-US" sz="2800" dirty="0">
                 <a:solidFill>
                   <a:schemeClr val="tx1"/>
                 </a:solidFill>
               </a:rPr>
               <a:t>1</a:t>
             </a:r>
-            <a:endParaRPr lang="en-US" sz="2800" dirty="0">
-              <a:solidFill>
-                <a:schemeClr val="tx1"/>
-              </a:solidFill>
-            </a:endParaRPr>
           </a:p>
         </p:txBody>
       </p:sp>
@@ -4066,18 +3990,13 @@
           <a:p>
             <a:pPr algn="ctr"/>
             <a:r>
-              <a:rPr lang="en-US" sz="2800" dirty="0" smtClean="0">
+              <a:rPr lang="en-US" sz="2800" dirty="0">
                 <a:solidFill>
                   <a:schemeClr val="tx1"/>
                 </a:solidFill>
               </a:rPr>
               <a:t>6</a:t>
             </a:r>
-            <a:endParaRPr lang="en-US" sz="2800" dirty="0">
-              <a:solidFill>
-                <a:schemeClr val="tx1"/>
-              </a:solidFill>
-            </a:endParaRPr>
           </a:p>
         </p:txBody>
       </p:sp>
@@ -4124,18 +4043,13 @@
           <a:p>
             <a:pPr algn="ctr"/>
             <a:r>
-              <a:rPr lang="en-US" sz="2800" dirty="0" smtClean="0">
+              <a:rPr lang="en-US" sz="2800" dirty="0">
                 <a:solidFill>
                   <a:schemeClr val="tx1"/>
                 </a:solidFill>
               </a:rPr>
               <a:t>7</a:t>
             </a:r>
-            <a:endParaRPr lang="en-US" sz="2800" dirty="0">
-              <a:solidFill>
-                <a:schemeClr val="tx1"/>
-              </a:solidFill>
-            </a:endParaRPr>
           </a:p>
         </p:txBody>
       </p:sp>
@@ -4182,18 +4096,13 @@
           <a:p>
             <a:pPr algn="ctr"/>
             <a:r>
-              <a:rPr lang="en-US" sz="2800" dirty="0" smtClean="0">
+              <a:rPr lang="en-US" sz="2800" dirty="0">
                 <a:solidFill>
                   <a:schemeClr val="tx1"/>
                 </a:solidFill>
               </a:rPr>
               <a:t>3</a:t>
             </a:r>
-            <a:endParaRPr lang="en-US" sz="2800" dirty="0">
-              <a:solidFill>
-                <a:schemeClr val="tx1"/>
-              </a:solidFill>
-            </a:endParaRPr>
           </a:p>
         </p:txBody>
       </p:sp>
@@ -4318,18 +4227,13 @@
           <a:p>
             <a:pPr algn="ctr"/>
             <a:r>
-              <a:rPr lang="en-US" sz="2800" dirty="0" smtClean="0">
+              <a:rPr lang="en-US" sz="2800" dirty="0">
                 <a:solidFill>
                   <a:schemeClr val="tx1"/>
                 </a:solidFill>
               </a:rPr>
               <a:t>5</a:t>
             </a:r>
-            <a:endParaRPr lang="en-US" sz="2800" dirty="0">
-              <a:solidFill>
-                <a:schemeClr val="tx1"/>
-              </a:solidFill>
-            </a:endParaRPr>
           </a:p>
         </p:txBody>
       </p:sp>
@@ -4376,18 +4280,13 @@
           <a:p>
             <a:pPr algn="ctr"/>
             <a:r>
-              <a:rPr lang="en-US" sz="2800" dirty="0" smtClean="0">
+              <a:rPr lang="en-US" sz="2800" dirty="0">
                 <a:solidFill>
                   <a:schemeClr val="tx1"/>
                 </a:solidFill>
               </a:rPr>
               <a:t>4</a:t>
             </a:r>
-            <a:endParaRPr lang="en-US" sz="2800" dirty="0">
-              <a:solidFill>
-                <a:schemeClr val="tx1"/>
-              </a:solidFill>
-            </a:endParaRPr>
           </a:p>
         </p:txBody>
       </p:sp>
@@ -4512,18 +4411,13 @@
           <a:p>
             <a:pPr algn="ctr"/>
             <a:r>
-              <a:rPr lang="en-US" sz="2800" dirty="0" smtClean="0">
+              <a:rPr lang="en-US" sz="2800" dirty="0">
                 <a:solidFill>
                   <a:schemeClr val="tx1"/>
                 </a:solidFill>
               </a:rPr>
               <a:t>2</a:t>
             </a:r>
-            <a:endParaRPr lang="en-US" sz="2800" dirty="0">
-              <a:solidFill>
-                <a:schemeClr val="tx1"/>
-              </a:solidFill>
-            </a:endParaRPr>
           </a:p>
         </p:txBody>
       </p:sp>
@@ -4535,8 +4429,8 @@
         </p:nvSpPr>
         <p:spPr>
           <a:xfrm>
-            <a:off x="1118316" y="550030"/>
-            <a:ext cx="579549" cy="584775"/>
+            <a:off x="1093864" y="550030"/>
+            <a:ext cx="604001" cy="584775"/>
           </a:xfrm>
           <a:prstGeom prst="rect">
             <a:avLst/>
@@ -4550,18 +4444,13 @@
           <a:lstStyle/>
           <a:p>
             <a:r>
-              <a:rPr lang="en-US" sz="3200" b="1" dirty="0" smtClean="0">
+              <a:rPr lang="en-US" sz="3200" b="1" dirty="0">
                 <a:solidFill>
                   <a:srgbClr val="00B050"/>
                 </a:solidFill>
               </a:rPr>
               <a:t>A.</a:t>
             </a:r>
-            <a:endParaRPr lang="en-US" sz="3200" b="1" dirty="0">
-              <a:solidFill>
-                <a:srgbClr val="00B050"/>
-              </a:solidFill>
-            </a:endParaRPr>
           </a:p>
         </p:txBody>
       </p:sp>
@@ -4573,8 +4462,8 @@
         </p:nvSpPr>
         <p:spPr>
           <a:xfrm>
-            <a:off x="7682161" y="550030"/>
-            <a:ext cx="579549" cy="584775"/>
+            <a:off x="7642803" y="550030"/>
+            <a:ext cx="618907" cy="584775"/>
           </a:xfrm>
           <a:prstGeom prst="rect">
             <a:avLst/>
@@ -4588,18 +4477,13 @@
           <a:lstStyle/>
           <a:p>
             <a:r>
-              <a:rPr lang="en-US" sz="3200" b="1" dirty="0" smtClean="0">
+              <a:rPr lang="en-US" sz="3200" b="1" dirty="0">
                 <a:solidFill>
                   <a:srgbClr val="00B050"/>
                 </a:solidFill>
               </a:rPr>
               <a:t>C.</a:t>
             </a:r>
-            <a:endParaRPr lang="en-US" sz="3200" b="1" dirty="0">
-              <a:solidFill>
-                <a:srgbClr val="00B050"/>
-              </a:solidFill>
-            </a:endParaRPr>
           </a:p>
         </p:txBody>
       </p:sp>
@@ -4646,18 +4530,13 @@
           <a:p>
             <a:pPr algn="ctr"/>
             <a:r>
-              <a:rPr lang="en-US" sz="2800" dirty="0" smtClean="0">
+              <a:rPr lang="en-US" sz="2800" dirty="0">
                 <a:solidFill>
                   <a:schemeClr val="tx1"/>
                 </a:solidFill>
               </a:rPr>
               <a:t>7</a:t>
             </a:r>
-            <a:endParaRPr lang="en-US" sz="2800" dirty="0">
-              <a:solidFill>
-                <a:schemeClr val="tx1"/>
-              </a:solidFill>
-            </a:endParaRPr>
           </a:p>
         </p:txBody>
       </p:sp>
@@ -4704,18 +4583,13 @@
           <a:p>
             <a:pPr algn="ctr"/>
             <a:r>
-              <a:rPr lang="en-US" sz="2800" dirty="0" smtClean="0">
+              <a:rPr lang="en-US" sz="2800" dirty="0">
                 <a:solidFill>
                   <a:schemeClr val="tx1"/>
                 </a:solidFill>
               </a:rPr>
               <a:t>5</a:t>
             </a:r>
-            <a:endParaRPr lang="en-US" sz="2800" dirty="0">
-              <a:solidFill>
-                <a:schemeClr val="tx1"/>
-              </a:solidFill>
-            </a:endParaRPr>
           </a:p>
         </p:txBody>
       </p:sp>
@@ -4801,18 +4675,13 @@
           <a:p>
             <a:pPr algn="ctr"/>
             <a:r>
-              <a:rPr lang="en-US" sz="2800" dirty="0" smtClean="0">
+              <a:rPr lang="en-US" sz="2800" dirty="0">
                 <a:solidFill>
                   <a:schemeClr val="tx1"/>
                 </a:solidFill>
               </a:rPr>
               <a:t>3</a:t>
             </a:r>
-            <a:endParaRPr lang="en-US" sz="2800" dirty="0">
-              <a:solidFill>
-                <a:schemeClr val="tx1"/>
-              </a:solidFill>
-            </a:endParaRPr>
           </a:p>
         </p:txBody>
       </p:sp>
@@ -4859,18 +4728,13 @@
           <a:p>
             <a:pPr algn="ctr"/>
             <a:r>
-              <a:rPr lang="en-US" sz="2800" dirty="0" smtClean="0">
+              <a:rPr lang="en-US" sz="2800" dirty="0">
                 <a:solidFill>
                   <a:schemeClr val="tx1"/>
                 </a:solidFill>
               </a:rPr>
               <a:t>1</a:t>
             </a:r>
-            <a:endParaRPr lang="en-US" sz="2800" dirty="0">
-              <a:solidFill>
-                <a:schemeClr val="tx1"/>
-              </a:solidFill>
-            </a:endParaRPr>
           </a:p>
         </p:txBody>
       </p:sp>
@@ -4960,8 +4824,8 @@
         </p:nvSpPr>
         <p:spPr>
           <a:xfrm>
-            <a:off x="3825328" y="550030"/>
-            <a:ext cx="579549" cy="584775"/>
+            <a:off x="3785970" y="550030"/>
+            <a:ext cx="618907" cy="584775"/>
           </a:xfrm>
           <a:prstGeom prst="rect">
             <a:avLst/>
@@ -4975,18 +4839,13 @@
           <a:lstStyle/>
           <a:p>
             <a:r>
-              <a:rPr lang="en-US" sz="3200" b="1" dirty="0" smtClean="0">
+              <a:rPr lang="en-US" sz="3200" b="1" dirty="0">
                 <a:solidFill>
                   <a:srgbClr val="00B050"/>
                 </a:solidFill>
               </a:rPr>
               <a:t>B.</a:t>
             </a:r>
-            <a:endParaRPr lang="en-US" sz="3200" b="1" dirty="0">
-              <a:solidFill>
-                <a:srgbClr val="00B050"/>
-              </a:solidFill>
-            </a:endParaRPr>
           </a:p>
         </p:txBody>
       </p:sp>
@@ -5033,18 +4892,13 @@
           <a:p>
             <a:pPr algn="ctr"/>
             <a:r>
-              <a:rPr lang="en-US" sz="2800" dirty="0" smtClean="0">
+              <a:rPr lang="en-US" sz="2800" dirty="0">
                 <a:solidFill>
                   <a:schemeClr val="tx1"/>
                 </a:solidFill>
               </a:rPr>
               <a:t>0</a:t>
             </a:r>
-            <a:endParaRPr lang="en-US" sz="2800" dirty="0">
-              <a:solidFill>
-                <a:schemeClr val="tx1"/>
-              </a:solidFill>
-            </a:endParaRPr>
           </a:p>
         </p:txBody>
       </p:sp>
@@ -5091,18 +4945,13 @@
           <a:p>
             <a:pPr algn="ctr"/>
             <a:r>
-              <a:rPr lang="en-US" sz="2800" dirty="0" smtClean="0">
+              <a:rPr lang="en-US" sz="2800" dirty="0">
                 <a:solidFill>
                   <a:schemeClr val="tx1"/>
                 </a:solidFill>
               </a:rPr>
               <a:t>7</a:t>
             </a:r>
-            <a:endParaRPr lang="en-US" sz="2800" dirty="0">
-              <a:solidFill>
-                <a:schemeClr val="tx1"/>
-              </a:solidFill>
-            </a:endParaRPr>
           </a:p>
         </p:txBody>
       </p:sp>
@@ -5188,18 +5037,13 @@
           <a:p>
             <a:pPr algn="ctr"/>
             <a:r>
-              <a:rPr lang="en-US" sz="2800" dirty="0" smtClean="0">
+              <a:rPr lang="en-US" sz="2800" dirty="0">
                 <a:solidFill>
                   <a:schemeClr val="tx1"/>
                 </a:solidFill>
               </a:rPr>
               <a:t>8</a:t>
             </a:r>
-            <a:endParaRPr lang="en-US" sz="2800" dirty="0">
-              <a:solidFill>
-                <a:schemeClr val="tx1"/>
-              </a:solidFill>
-            </a:endParaRPr>
           </a:p>
         </p:txBody>
       </p:sp>
@@ -5246,18 +5090,13 @@
           <a:p>
             <a:pPr algn="ctr"/>
             <a:r>
-              <a:rPr lang="en-US" sz="2800" dirty="0" smtClean="0">
+              <a:rPr lang="en-US" sz="2800" dirty="0">
                 <a:solidFill>
                   <a:schemeClr val="tx1"/>
                 </a:solidFill>
               </a:rPr>
               <a:t>9</a:t>
             </a:r>
-            <a:endParaRPr lang="en-US" sz="2800" dirty="0">
-              <a:solidFill>
-                <a:schemeClr val="tx1"/>
-              </a:solidFill>
-            </a:endParaRPr>
           </a:p>
         </p:txBody>
       </p:sp>
@@ -5347,8 +5186,8 @@
         </p:nvSpPr>
         <p:spPr>
           <a:xfrm>
-            <a:off x="1118316" y="3641947"/>
-            <a:ext cx="579549" cy="584775"/>
+            <a:off x="1093864" y="3641947"/>
+            <a:ext cx="604001" cy="584775"/>
           </a:xfrm>
           <a:prstGeom prst="rect">
             <a:avLst/>
@@ -5362,18 +5201,13 @@
           <a:lstStyle/>
           <a:p>
             <a:r>
-              <a:rPr lang="en-US" sz="3200" b="1" dirty="0" smtClean="0">
+              <a:rPr lang="en-US" sz="3200" b="1" dirty="0">
                 <a:solidFill>
                   <a:srgbClr val="00B050"/>
                 </a:solidFill>
               </a:rPr>
               <a:t>D.</a:t>
             </a:r>
-            <a:endParaRPr lang="en-US" sz="3200" b="1" dirty="0">
-              <a:solidFill>
-                <a:srgbClr val="00B050"/>
-              </a:solidFill>
-            </a:endParaRPr>
           </a:p>
         </p:txBody>
       </p:sp>
@@ -5420,18 +5254,13 @@
           <a:p>
             <a:pPr algn="ctr"/>
             <a:r>
-              <a:rPr lang="en-US" sz="2800" dirty="0" smtClean="0">
+              <a:rPr lang="en-US" sz="2800" dirty="0">
                 <a:solidFill>
                   <a:schemeClr val="tx1"/>
                 </a:solidFill>
               </a:rPr>
               <a:t>2</a:t>
             </a:r>
-            <a:endParaRPr lang="en-US" sz="2800" dirty="0">
-              <a:solidFill>
-                <a:schemeClr val="tx1"/>
-              </a:solidFill>
-            </a:endParaRPr>
           </a:p>
         </p:txBody>
       </p:sp>
@@ -5517,18 +5346,13 @@
           <a:p>
             <a:pPr algn="ctr"/>
             <a:r>
-              <a:rPr lang="en-US" sz="2800" dirty="0" smtClean="0">
+              <a:rPr lang="en-US" sz="2800" dirty="0">
                 <a:solidFill>
                   <a:schemeClr val="tx1"/>
                 </a:solidFill>
               </a:rPr>
               <a:t>1</a:t>
             </a:r>
-            <a:endParaRPr lang="en-US" sz="2800" dirty="0">
-              <a:solidFill>
-                <a:schemeClr val="tx1"/>
-              </a:solidFill>
-            </a:endParaRPr>
           </a:p>
         </p:txBody>
       </p:sp>
@@ -5575,18 +5399,13 @@
           <a:p>
             <a:pPr algn="ctr"/>
             <a:r>
-              <a:rPr lang="en-US" sz="2800" dirty="0" smtClean="0">
+              <a:rPr lang="en-US" sz="2800" dirty="0">
                 <a:solidFill>
                   <a:schemeClr val="tx1"/>
                 </a:solidFill>
               </a:rPr>
               <a:t>7</a:t>
             </a:r>
-            <a:endParaRPr lang="en-US" sz="2800" dirty="0">
-              <a:solidFill>
-                <a:schemeClr val="tx1"/>
-              </a:solidFill>
-            </a:endParaRPr>
           </a:p>
         </p:txBody>
       </p:sp>
@@ -5672,18 +5491,13 @@
           <a:p>
             <a:pPr algn="ctr"/>
             <a:r>
-              <a:rPr lang="en-US" sz="2800" dirty="0" smtClean="0">
+              <a:rPr lang="en-US" sz="2800" dirty="0">
                 <a:solidFill>
                   <a:schemeClr val="tx1"/>
                 </a:solidFill>
               </a:rPr>
               <a:t>8</a:t>
             </a:r>
-            <a:endParaRPr lang="en-US" sz="2800" dirty="0">
-              <a:solidFill>
-                <a:schemeClr val="tx1"/>
-              </a:solidFill>
-            </a:endParaRPr>
           </a:p>
         </p:txBody>
       </p:sp>
@@ -5730,18 +5544,13 @@
           <a:p>
             <a:pPr algn="ctr"/>
             <a:r>
-              <a:rPr lang="en-US" sz="2800" dirty="0" smtClean="0">
+              <a:rPr lang="en-US" sz="2800" dirty="0">
                 <a:solidFill>
                   <a:schemeClr val="tx1"/>
                 </a:solidFill>
               </a:rPr>
               <a:t>9</a:t>
             </a:r>
-            <a:endParaRPr lang="en-US" sz="2800" dirty="0">
-              <a:solidFill>
-                <a:schemeClr val="tx1"/>
-              </a:solidFill>
-            </a:endParaRPr>
           </a:p>
         </p:txBody>
       </p:sp>
@@ -5831,8 +5640,8 @@
         </p:nvSpPr>
         <p:spPr>
           <a:xfrm>
-            <a:off x="6025577" y="3641947"/>
-            <a:ext cx="579549" cy="584775"/>
+            <a:off x="5855399" y="3641947"/>
+            <a:ext cx="749727" cy="584775"/>
           </a:xfrm>
           <a:prstGeom prst="rect">
             <a:avLst/>
@@ -5846,18 +5655,13 @@
           <a:lstStyle/>
           <a:p>
             <a:r>
-              <a:rPr lang="en-US" sz="3200" b="1" dirty="0" smtClean="0">
+              <a:rPr lang="en-US" sz="3200" b="1" dirty="0">
                 <a:solidFill>
                   <a:srgbClr val="00B050"/>
                 </a:solidFill>
               </a:rPr>
               <a:t>E.</a:t>
             </a:r>
-            <a:endParaRPr lang="en-US" sz="3200" b="1" dirty="0">
-              <a:solidFill>
-                <a:srgbClr val="00B050"/>
-              </a:solidFill>
-            </a:endParaRPr>
           </a:p>
         </p:txBody>
       </p:sp>
@@ -5904,18 +5708,13 @@
           <a:p>
             <a:pPr algn="ctr"/>
             <a:r>
-              <a:rPr lang="en-US" sz="2800" dirty="0" smtClean="0">
+              <a:rPr lang="en-US" sz="2800" dirty="0">
                 <a:solidFill>
                   <a:schemeClr val="tx1"/>
                 </a:solidFill>
               </a:rPr>
               <a:t>1</a:t>
             </a:r>
-            <a:endParaRPr lang="en-US" sz="2800" dirty="0">
-              <a:solidFill>
-                <a:schemeClr val="tx1"/>
-              </a:solidFill>
-            </a:endParaRPr>
           </a:p>
         </p:txBody>
       </p:sp>
@@ -6001,18 +5800,13 @@
           <a:p>
             <a:pPr algn="ctr"/>
             <a:r>
-              <a:rPr lang="en-US" sz="2800" dirty="0" smtClean="0">
+              <a:rPr lang="en-US" sz="2800" dirty="0">
                 <a:solidFill>
                   <a:schemeClr val="tx1"/>
                 </a:solidFill>
               </a:rPr>
               <a:t>4</a:t>
             </a:r>
-            <a:endParaRPr lang="en-US" sz="2800" dirty="0">
-              <a:solidFill>
-                <a:schemeClr val="tx1"/>
-              </a:solidFill>
-            </a:endParaRPr>
           </a:p>
         </p:txBody>
       </p:sp>
@@ -6059,18 +5853,13 @@
           <a:p>
             <a:pPr algn="ctr"/>
             <a:r>
-              <a:rPr lang="en-US" sz="2800" dirty="0" smtClean="0">
+              <a:rPr lang="en-US" sz="2800" dirty="0">
                 <a:solidFill>
                   <a:schemeClr val="tx1"/>
                 </a:solidFill>
               </a:rPr>
               <a:t>3</a:t>
             </a:r>
-            <a:endParaRPr lang="en-US" sz="2800" dirty="0">
-              <a:solidFill>
-                <a:schemeClr val="tx1"/>
-              </a:solidFill>
-            </a:endParaRPr>
           </a:p>
         </p:txBody>
       </p:sp>
@@ -6225,18 +6014,13 @@
           <a:p>
             <a:pPr algn="ctr"/>
             <a:r>
-              <a:rPr lang="en-US" sz="2800" dirty="0" smtClean="0">
+              <a:rPr lang="en-US" sz="2800" dirty="0">
                 <a:solidFill>
                   <a:schemeClr val="tx1"/>
                 </a:solidFill>
               </a:rPr>
               <a:t>4</a:t>
             </a:r>
-            <a:endParaRPr lang="en-US" sz="2800" dirty="0">
-              <a:solidFill>
-                <a:schemeClr val="tx1"/>
-              </a:solidFill>
-            </a:endParaRPr>
           </a:p>
         </p:txBody>
       </p:sp>
@@ -6283,18 +6067,13 @@
           <a:p>
             <a:pPr algn="ctr"/>
             <a:r>
-              <a:rPr lang="en-US" sz="2800" dirty="0" smtClean="0">
+              <a:rPr lang="en-US" sz="2800" dirty="0">
                 <a:solidFill>
                   <a:schemeClr val="tx1"/>
                 </a:solidFill>
               </a:rPr>
               <a:t>0</a:t>
             </a:r>
-            <a:endParaRPr lang="en-US" sz="2800" dirty="0">
-              <a:solidFill>
-                <a:schemeClr val="tx1"/>
-              </a:solidFill>
-            </a:endParaRPr>
           </a:p>
         </p:txBody>
       </p:sp>
@@ -6341,18 +6120,13 @@
           <a:p>
             <a:pPr algn="ctr"/>
             <a:r>
-              <a:rPr lang="en-US" sz="2800" dirty="0" smtClean="0">
+              <a:rPr lang="en-US" sz="2800" dirty="0">
                 <a:solidFill>
                   <a:srgbClr val="00B0F0"/>
                 </a:solidFill>
               </a:rPr>
               <a:t>3</a:t>
             </a:r>
-            <a:endParaRPr lang="en-US" sz="2800" dirty="0">
-              <a:solidFill>
-                <a:srgbClr val="00B0F0"/>
-              </a:solidFill>
-            </a:endParaRPr>
           </a:p>
         </p:txBody>
       </p:sp>
@@ -6477,18 +6251,13 @@
           <a:p>
             <a:pPr algn="ctr"/>
             <a:r>
-              <a:rPr lang="en-US" sz="2800" dirty="0" smtClean="0">
+              <a:rPr lang="en-US" sz="2800" dirty="0">
                 <a:solidFill>
                   <a:schemeClr val="tx1"/>
                 </a:solidFill>
               </a:rPr>
               <a:t>1</a:t>
             </a:r>
-            <a:endParaRPr lang="en-US" sz="2800" dirty="0">
-              <a:solidFill>
-                <a:schemeClr val="tx1"/>
-              </a:solidFill>
-            </a:endParaRPr>
           </a:p>
         </p:txBody>
       </p:sp>
@@ -6574,18 +6343,13 @@
           <a:p>
             <a:pPr algn="ctr"/>
             <a:r>
-              <a:rPr lang="en-US" sz="2800" dirty="0" smtClean="0">
+              <a:rPr lang="en-US" sz="2800" dirty="0">
                 <a:solidFill>
                   <a:srgbClr val="00B050"/>
                 </a:solidFill>
               </a:rPr>
               <a:t>5</a:t>
             </a:r>
-            <a:endParaRPr lang="en-US" sz="2800" dirty="0">
-              <a:solidFill>
-                <a:srgbClr val="00B050"/>
-              </a:solidFill>
-            </a:endParaRPr>
           </a:p>
         </p:txBody>
       </p:sp>
@@ -6707,18 +6471,13 @@
           <a:p>
             <a:pPr algn="ctr"/>
             <a:r>
-              <a:rPr lang="en-US" sz="2800" dirty="0" smtClean="0">
+              <a:rPr lang="en-US" sz="2800" dirty="0">
                 <a:solidFill>
                   <a:srgbClr val="00B0F0"/>
                 </a:solidFill>
               </a:rPr>
               <a:t>4</a:t>
             </a:r>
-            <a:endParaRPr lang="en-US" sz="2800" dirty="0">
-              <a:solidFill>
-                <a:srgbClr val="00B0F0"/>
-              </a:solidFill>
-            </a:endParaRPr>
           </a:p>
         </p:txBody>
       </p:sp>
@@ -6765,18 +6524,13 @@
           <a:p>
             <a:pPr algn="ctr"/>
             <a:r>
-              <a:rPr lang="en-US" sz="2800" dirty="0" smtClean="0">
+              <a:rPr lang="en-US" sz="2800" dirty="0">
                 <a:solidFill>
                   <a:schemeClr val="tx1"/>
                 </a:solidFill>
               </a:rPr>
               <a:t>0</a:t>
             </a:r>
-            <a:endParaRPr lang="en-US" sz="2800" dirty="0">
-              <a:solidFill>
-                <a:schemeClr val="tx1"/>
-              </a:solidFill>
-            </a:endParaRPr>
           </a:p>
         </p:txBody>
       </p:sp>
@@ -6823,18 +6577,13 @@
           <a:p>
             <a:pPr algn="ctr"/>
             <a:r>
-              <a:rPr lang="en-US" sz="2800" dirty="0" smtClean="0">
+              <a:rPr lang="en-US" sz="2800" dirty="0">
                 <a:solidFill>
                   <a:srgbClr val="00B050"/>
                 </a:solidFill>
               </a:rPr>
               <a:t>5</a:t>
             </a:r>
-            <a:endParaRPr lang="en-US" sz="2800" dirty="0">
-              <a:solidFill>
-                <a:srgbClr val="00B050"/>
-              </a:solidFill>
-            </a:endParaRPr>
           </a:p>
         </p:txBody>
       </p:sp>
@@ -6959,18 +6708,13 @@
           <a:p>
             <a:pPr algn="ctr"/>
             <a:r>
-              <a:rPr lang="en-US" sz="2800" dirty="0" smtClean="0">
+              <a:rPr lang="en-US" sz="2800" dirty="0">
                 <a:solidFill>
                   <a:schemeClr val="tx1"/>
                 </a:solidFill>
               </a:rPr>
               <a:t>1</a:t>
             </a:r>
-            <a:endParaRPr lang="en-US" sz="2800" dirty="0">
-              <a:solidFill>
-                <a:schemeClr val="tx1"/>
-              </a:solidFill>
-            </a:endParaRPr>
           </a:p>
         </p:txBody>
       </p:sp>
@@ -7056,18 +6800,13 @@
           <a:p>
             <a:pPr algn="ctr"/>
             <a:r>
-              <a:rPr lang="en-US" sz="2800" dirty="0" smtClean="0">
+              <a:rPr lang="en-US" sz="2800" dirty="0">
                 <a:solidFill>
                   <a:schemeClr val="tx1"/>
                 </a:solidFill>
               </a:rPr>
               <a:t>3</a:t>
             </a:r>
-            <a:endParaRPr lang="en-US" sz="2800" dirty="0">
-              <a:solidFill>
-                <a:schemeClr val="tx1"/>
-              </a:solidFill>
-            </a:endParaRPr>
           </a:p>
         </p:txBody>
       </p:sp>
@@ -7271,18 +7010,13 @@
           <a:p>
             <a:pPr algn="ctr"/>
             <a:r>
-              <a:rPr lang="en-US" sz="2800" dirty="0" smtClean="0">
+              <a:rPr lang="en-US" sz="2800" dirty="0">
                 <a:solidFill>
                   <a:srgbClr val="00B050"/>
                 </a:solidFill>
               </a:rPr>
               <a:t>5</a:t>
             </a:r>
-            <a:endParaRPr lang="en-US" sz="2800" dirty="0">
-              <a:solidFill>
-                <a:srgbClr val="00B050"/>
-              </a:solidFill>
-            </a:endParaRPr>
           </a:p>
         </p:txBody>
       </p:sp>
@@ -7329,18 +7063,13 @@
           <a:p>
             <a:pPr algn="ctr"/>
             <a:r>
-              <a:rPr lang="en-US" sz="2800" dirty="0" smtClean="0">
+              <a:rPr lang="en-US" sz="2800" dirty="0">
                 <a:solidFill>
                   <a:schemeClr val="tx1"/>
                 </a:solidFill>
               </a:rPr>
               <a:t>0</a:t>
             </a:r>
-            <a:endParaRPr lang="en-US" sz="2800" dirty="0">
-              <a:solidFill>
-                <a:schemeClr val="tx1"/>
-              </a:solidFill>
-            </a:endParaRPr>
           </a:p>
         </p:txBody>
       </p:sp>
@@ -7387,18 +7116,13 @@
           <a:p>
             <a:pPr algn="ctr"/>
             <a:r>
-              <a:rPr lang="en-US" sz="2800" dirty="0" smtClean="0">
+              <a:rPr lang="en-US" sz="2800" dirty="0">
                 <a:solidFill>
                   <a:schemeClr val="tx1"/>
                 </a:solidFill>
               </a:rPr>
               <a:t>4</a:t>
             </a:r>
-            <a:endParaRPr lang="en-US" sz="2800" dirty="0">
-              <a:solidFill>
-                <a:schemeClr val="tx1"/>
-              </a:solidFill>
-            </a:endParaRPr>
           </a:p>
         </p:txBody>
       </p:sp>
@@ -7523,18 +7247,13 @@
           <a:p>
             <a:pPr algn="ctr"/>
             <a:r>
-              <a:rPr lang="en-US" sz="2800" dirty="0" smtClean="0">
+              <a:rPr lang="en-US" sz="2800" dirty="0">
                 <a:solidFill>
                   <a:schemeClr val="tx1"/>
                 </a:solidFill>
               </a:rPr>
               <a:t>1</a:t>
             </a:r>
-            <a:endParaRPr lang="en-US" sz="2800" dirty="0">
-              <a:solidFill>
-                <a:schemeClr val="tx1"/>
-              </a:solidFill>
-            </a:endParaRPr>
           </a:p>
         </p:txBody>
       </p:sp>
@@ -7620,18 +7339,13 @@
           <a:p>
             <a:pPr algn="ctr"/>
             <a:r>
-              <a:rPr lang="en-US" sz="2800" dirty="0" smtClean="0">
+              <a:rPr lang="en-US" sz="2800" dirty="0">
                 <a:solidFill>
                   <a:schemeClr val="tx1"/>
                 </a:solidFill>
               </a:rPr>
               <a:t>3</a:t>
             </a:r>
-            <a:endParaRPr lang="en-US" sz="2800" dirty="0">
-              <a:solidFill>
-                <a:schemeClr val="tx1"/>
-              </a:solidFill>
-            </a:endParaRPr>
           </a:p>
         </p:txBody>
       </p:sp>
@@ -7747,18 +7461,13 @@
           <a:p>
             <a:pPr algn="ctr"/>
             <a:r>
-              <a:rPr lang="en-US" sz="2800" dirty="0" smtClean="0">
+              <a:rPr lang="en-US" sz="2800" dirty="0">
                 <a:solidFill>
                   <a:srgbClr val="00B0F0"/>
                 </a:solidFill>
               </a:rPr>
               <a:t>5</a:t>
             </a:r>
-            <a:endParaRPr lang="en-US" sz="2800" dirty="0">
-              <a:solidFill>
-                <a:srgbClr val="00B0F0"/>
-              </a:solidFill>
-            </a:endParaRPr>
           </a:p>
         </p:txBody>
       </p:sp>
@@ -7805,18 +7514,13 @@
           <a:p>
             <a:pPr algn="ctr"/>
             <a:r>
-              <a:rPr lang="en-US" sz="2800" dirty="0" smtClean="0">
+              <a:rPr lang="en-US" sz="2800" dirty="0">
                 <a:solidFill>
                   <a:schemeClr val="tx1"/>
                 </a:solidFill>
               </a:rPr>
               <a:t>0</a:t>
             </a:r>
-            <a:endParaRPr lang="en-US" sz="2800" dirty="0">
-              <a:solidFill>
-                <a:schemeClr val="tx1"/>
-              </a:solidFill>
-            </a:endParaRPr>
           </a:p>
         </p:txBody>
       </p:sp>
@@ -7863,18 +7567,13 @@
           <a:p>
             <a:pPr algn="ctr"/>
             <a:r>
-              <a:rPr lang="en-US" sz="2800" dirty="0" smtClean="0">
+              <a:rPr lang="en-US" sz="2800" dirty="0">
                 <a:solidFill>
                   <a:schemeClr val="tx1"/>
                 </a:solidFill>
               </a:rPr>
               <a:t>4</a:t>
             </a:r>
-            <a:endParaRPr lang="en-US" sz="2800" dirty="0">
-              <a:solidFill>
-                <a:schemeClr val="tx1"/>
-              </a:solidFill>
-            </a:endParaRPr>
           </a:p>
         </p:txBody>
       </p:sp>
@@ -7999,18 +7698,13 @@
           <a:p>
             <a:pPr algn="ctr"/>
             <a:r>
-              <a:rPr lang="en-US" sz="2800" dirty="0" smtClean="0">
+              <a:rPr lang="en-US" sz="2800" dirty="0">
                 <a:solidFill>
                   <a:schemeClr val="tx1"/>
                 </a:solidFill>
               </a:rPr>
               <a:t>1</a:t>
             </a:r>
-            <a:endParaRPr lang="en-US" sz="2800" dirty="0">
-              <a:solidFill>
-                <a:schemeClr val="tx1"/>
-              </a:solidFill>
-            </a:endParaRPr>
           </a:p>
         </p:txBody>
       </p:sp>
@@ -8096,18 +7790,13 @@
           <a:p>
             <a:pPr algn="ctr"/>
             <a:r>
-              <a:rPr lang="en-US" sz="2800" dirty="0" smtClean="0">
+              <a:rPr lang="en-US" sz="2800" dirty="0">
                 <a:solidFill>
                   <a:srgbClr val="00B050"/>
                 </a:solidFill>
               </a:rPr>
               <a:t>3</a:t>
             </a:r>
-            <a:endParaRPr lang="en-US" sz="2800" dirty="0">
-              <a:solidFill>
-                <a:srgbClr val="00B050"/>
-              </a:solidFill>
-            </a:endParaRPr>
           </a:p>
         </p:txBody>
       </p:sp>
@@ -8229,18 +7918,13 @@
           <a:p>
             <a:pPr algn="ctr"/>
             <a:r>
-              <a:rPr lang="en-US" sz="2800" dirty="0" smtClean="0">
+              <a:rPr lang="en-US" sz="2800" dirty="0">
                 <a:solidFill>
                   <a:srgbClr val="00B050"/>
                 </a:solidFill>
               </a:rPr>
               <a:t>3</a:t>
             </a:r>
-            <a:endParaRPr lang="en-US" sz="2800" dirty="0">
-              <a:solidFill>
-                <a:srgbClr val="00B050"/>
-              </a:solidFill>
-            </a:endParaRPr>
           </a:p>
         </p:txBody>
       </p:sp>
@@ -8287,18 +7971,13 @@
           <a:p>
             <a:pPr algn="ctr"/>
             <a:r>
-              <a:rPr lang="en-US" sz="2800" dirty="0" smtClean="0">
+              <a:rPr lang="en-US" sz="2800" dirty="0">
                 <a:solidFill>
                   <a:srgbClr val="00B0F0"/>
                 </a:solidFill>
               </a:rPr>
               <a:t>0</a:t>
             </a:r>
-            <a:endParaRPr lang="en-US" sz="2800" dirty="0">
-              <a:solidFill>
-                <a:srgbClr val="00B0F0"/>
-              </a:solidFill>
-            </a:endParaRPr>
           </a:p>
         </p:txBody>
       </p:sp>
@@ -8345,18 +8024,13 @@
           <a:p>
             <a:pPr algn="ctr"/>
             <a:r>
-              <a:rPr lang="en-US" sz="2800" dirty="0" smtClean="0">
+              <a:rPr lang="en-US" sz="2800" dirty="0">
                 <a:solidFill>
                   <a:srgbClr val="00B0F0"/>
                 </a:solidFill>
               </a:rPr>
               <a:t>4</a:t>
             </a:r>
-            <a:endParaRPr lang="en-US" sz="2800" dirty="0">
-              <a:solidFill>
-                <a:srgbClr val="00B0F0"/>
-              </a:solidFill>
-            </a:endParaRPr>
           </a:p>
         </p:txBody>
       </p:sp>
@@ -8481,18 +8155,13 @@
           <a:p>
             <a:pPr algn="ctr"/>
             <a:r>
-              <a:rPr lang="en-US" sz="2800" dirty="0" smtClean="0">
+              <a:rPr lang="en-US" sz="2800" dirty="0">
                 <a:solidFill>
                   <a:schemeClr val="tx1"/>
                 </a:solidFill>
               </a:rPr>
               <a:t>1</a:t>
             </a:r>
-            <a:endParaRPr lang="en-US" sz="2800" dirty="0">
-              <a:solidFill>
-                <a:schemeClr val="tx1"/>
-              </a:solidFill>
-            </a:endParaRPr>
           </a:p>
         </p:txBody>
       </p:sp>
@@ -8698,18 +8367,13 @@
           <a:p>
             <a:pPr algn="ctr"/>
             <a:r>
-              <a:rPr lang="en-US" sz="2800" dirty="0" smtClean="0">
+              <a:rPr lang="en-US" sz="2800" dirty="0">
                 <a:solidFill>
                   <a:schemeClr val="tx1"/>
                 </a:solidFill>
               </a:rPr>
               <a:t>4</a:t>
             </a:r>
-            <a:endParaRPr lang="en-US" sz="2800" dirty="0">
-              <a:solidFill>
-                <a:schemeClr val="tx1"/>
-              </a:solidFill>
-            </a:endParaRPr>
           </a:p>
         </p:txBody>
       </p:sp>
@@ -8756,18 +8420,13 @@
           <a:p>
             <a:pPr algn="ctr"/>
             <a:r>
-              <a:rPr lang="en-US" sz="2800" dirty="0" smtClean="0">
+              <a:rPr lang="en-US" sz="2800" dirty="0">
                 <a:solidFill>
                   <a:schemeClr val="tx1"/>
                 </a:solidFill>
               </a:rPr>
               <a:t>0</a:t>
             </a:r>
-            <a:endParaRPr lang="en-US" sz="2800" dirty="0">
-              <a:solidFill>
-                <a:schemeClr val="tx1"/>
-              </a:solidFill>
-            </a:endParaRPr>
           </a:p>
         </p:txBody>
       </p:sp>
@@ -8814,18 +8473,13 @@
           <a:p>
             <a:pPr algn="ctr"/>
             <a:r>
-              <a:rPr lang="en-US" sz="2800" dirty="0" smtClean="0">
+              <a:rPr lang="en-US" sz="2800" dirty="0">
                 <a:solidFill>
                   <a:srgbClr val="00B050"/>
                 </a:solidFill>
               </a:rPr>
               <a:t>3</a:t>
             </a:r>
-            <a:endParaRPr lang="en-US" sz="2800" dirty="0">
-              <a:solidFill>
-                <a:srgbClr val="00B050"/>
-              </a:solidFill>
-            </a:endParaRPr>
           </a:p>
         </p:txBody>
       </p:sp>
@@ -8950,18 +8604,13 @@
           <a:p>
             <a:pPr algn="ctr"/>
             <a:r>
-              <a:rPr lang="en-US" sz="2800" dirty="0" smtClean="0">
+              <a:rPr lang="en-US" sz="2800" dirty="0">
                 <a:solidFill>
                   <a:schemeClr val="tx1"/>
                 </a:solidFill>
               </a:rPr>
               <a:t>1</a:t>
             </a:r>
-            <a:endParaRPr lang="en-US" sz="2800" dirty="0">
-              <a:solidFill>
-                <a:schemeClr val="tx1"/>
-              </a:solidFill>
-            </a:endParaRPr>
           </a:p>
         </p:txBody>
       </p:sp>
@@ -9027,18 +8676,13 @@
           <a:lstStyle/>
           <a:p>
             <a:r>
-              <a:rPr lang="en-US" b="1" dirty="0" smtClean="0">
+              <a:rPr lang="en-US" b="1" dirty="0">
                 <a:solidFill>
                   <a:srgbClr val="FF0000"/>
                 </a:solidFill>
               </a:rPr>
               <a:t>4 &gt; 0</a:t>
             </a:r>
-            <a:endParaRPr lang="en-US" b="1" dirty="0">
-              <a:solidFill>
-                <a:srgbClr val="FF0000"/>
-              </a:solidFill>
-            </a:endParaRPr>
           </a:p>
         </p:txBody>
       </p:sp>
@@ -9115,18 +8759,13 @@
           <a:p>
             <a:pPr algn="ctr"/>
             <a:r>
-              <a:rPr lang="en-US" sz="2800" dirty="0" smtClean="0">
+              <a:rPr lang="en-US" sz="2800" dirty="0">
                 <a:solidFill>
                   <a:schemeClr val="tx1"/>
                 </a:solidFill>
               </a:rPr>
               <a:t>5</a:t>
             </a:r>
-            <a:endParaRPr lang="en-US" sz="2800" dirty="0">
-              <a:solidFill>
-                <a:schemeClr val="tx1"/>
-              </a:solidFill>
-            </a:endParaRPr>
           </a:p>
         </p:txBody>
       </p:sp>
@@ -9173,18 +8812,13 @@
           <a:p>
             <a:pPr algn="ctr"/>
             <a:r>
-              <a:rPr lang="en-US" sz="2800" dirty="0" smtClean="0">
+              <a:rPr lang="en-US" sz="2800" dirty="0">
                 <a:solidFill>
                   <a:schemeClr val="tx1"/>
                 </a:solidFill>
               </a:rPr>
               <a:t>0</a:t>
             </a:r>
-            <a:endParaRPr lang="en-US" sz="2800" dirty="0">
-              <a:solidFill>
-                <a:schemeClr val="tx1"/>
-              </a:solidFill>
-            </a:endParaRPr>
           </a:p>
         </p:txBody>
       </p:sp>
@@ -9231,18 +8865,13 @@
           <a:p>
             <a:pPr algn="ctr"/>
             <a:r>
-              <a:rPr lang="en-US" sz="2800" dirty="0" smtClean="0">
+              <a:rPr lang="en-US" sz="2800" dirty="0">
                 <a:solidFill>
                   <a:schemeClr val="tx1"/>
                 </a:solidFill>
               </a:rPr>
               <a:t>4</a:t>
             </a:r>
-            <a:endParaRPr lang="en-US" sz="2800" dirty="0">
-              <a:solidFill>
-                <a:schemeClr val="tx1"/>
-              </a:solidFill>
-            </a:endParaRPr>
           </a:p>
         </p:txBody>
       </p:sp>
@@ -9367,18 +8996,13 @@
           <a:p>
             <a:pPr algn="ctr"/>
             <a:r>
-              <a:rPr lang="en-US" sz="2800" dirty="0" smtClean="0">
+              <a:rPr lang="en-US" sz="2800" dirty="0">
                 <a:solidFill>
                   <a:schemeClr val="tx1"/>
                 </a:solidFill>
               </a:rPr>
               <a:t>1</a:t>
             </a:r>
-            <a:endParaRPr lang="en-US" sz="2800" dirty="0">
-              <a:solidFill>
-                <a:schemeClr val="tx1"/>
-              </a:solidFill>
-            </a:endParaRPr>
           </a:p>
         </p:txBody>
       </p:sp>
@@ -9464,18 +9088,13 @@
           <a:p>
             <a:pPr algn="ctr"/>
             <a:r>
-              <a:rPr lang="en-US" sz="2800" dirty="0" smtClean="0">
+              <a:rPr lang="en-US" sz="2800" dirty="0">
                 <a:solidFill>
                   <a:schemeClr val="tx1"/>
                 </a:solidFill>
               </a:rPr>
               <a:t>3</a:t>
             </a:r>
-            <a:endParaRPr lang="en-US" sz="2800" dirty="0">
-              <a:solidFill>
-                <a:schemeClr val="tx1"/>
-              </a:solidFill>
-            </a:endParaRPr>
           </a:p>
         </p:txBody>
       </p:sp>
@@ -9527,7 +9146,7 @@
           <p:nvPr>
             <p:extLst>
               <p:ext uri="{D42A27DB-BD31-4B8C-83A1-F6EECF244321}">
-                <p14:modId xmlns:p14="http://schemas.microsoft.com/office/powerpoint/2010/main" val="600086009"/>
+                <p14:modId xmlns:p14="http://schemas.microsoft.com/office/powerpoint/2010/main" val="628482287"/>
               </p:ext>
             </p:extLst>
           </p:nvPr>
@@ -9543,11 +9162,41 @@
                 <a:tableStyleId>{5C22544A-7EE6-4342-B048-85BDC9FD1C3A}</a:tableStyleId>
               </a:tblPr>
               <a:tblGrid>
-                <a:gridCol w="1109537"/>
-                <a:gridCol w="1109537"/>
-                <a:gridCol w="1109537"/>
-                <a:gridCol w="1109537"/>
-                <a:gridCol w="1109537"/>
+                <a:gridCol w="1109537">
+                  <a:extLst>
+                    <a:ext uri="{9D8B030D-6E8A-4147-A177-3AD203B41FA5}">
+                      <a16:colId xmlns:a16="http://schemas.microsoft.com/office/drawing/2014/main" val="20000"/>
+                    </a:ext>
+                  </a:extLst>
+                </a:gridCol>
+                <a:gridCol w="1109537">
+                  <a:extLst>
+                    <a:ext uri="{9D8B030D-6E8A-4147-A177-3AD203B41FA5}">
+                      <a16:colId xmlns:a16="http://schemas.microsoft.com/office/drawing/2014/main" val="20001"/>
+                    </a:ext>
+                  </a:extLst>
+                </a:gridCol>
+                <a:gridCol w="1109537">
+                  <a:extLst>
+                    <a:ext uri="{9D8B030D-6E8A-4147-A177-3AD203B41FA5}">
+                      <a16:colId xmlns:a16="http://schemas.microsoft.com/office/drawing/2014/main" val="20002"/>
+                    </a:ext>
+                  </a:extLst>
+                </a:gridCol>
+                <a:gridCol w="1109537">
+                  <a:extLst>
+                    <a:ext uri="{9D8B030D-6E8A-4147-A177-3AD203B41FA5}">
+                      <a16:colId xmlns:a16="http://schemas.microsoft.com/office/drawing/2014/main" val="20003"/>
+                    </a:ext>
+                  </a:extLst>
+                </a:gridCol>
+                <a:gridCol w="1109537">
+                  <a:extLst>
+                    <a:ext uri="{9D8B030D-6E8A-4147-A177-3AD203B41FA5}">
+                      <a16:colId xmlns:a16="http://schemas.microsoft.com/office/drawing/2014/main" val="20004"/>
+                    </a:ext>
+                  </a:extLst>
+                </a:gridCol>
               </a:tblGrid>
               <a:tr h="781548">
                 <a:tc>
@@ -9865,6 +9514,11 @@
                     </a:solidFill>
                   </a:tcPr>
                 </a:tc>
+                <a:extLst>
+                  <a:ext uri="{0D108BD9-81ED-4DB2-BD59-A6C34878D82A}">
+                    <a16:rowId xmlns:a16="http://schemas.microsoft.com/office/drawing/2014/main" val="10000"/>
+                  </a:ext>
+                </a:extLst>
               </a:tr>
             </a:tbl>
           </a:graphicData>
@@ -9913,18 +9567,13 @@
           <a:p>
             <a:pPr algn="ctr"/>
             <a:r>
-              <a:rPr lang="en-US" sz="2800" dirty="0" smtClean="0">
+              <a:rPr lang="en-US" sz="2800" dirty="0">
                 <a:solidFill>
                   <a:schemeClr val="tx1"/>
                 </a:solidFill>
               </a:rPr>
               <a:t>5</a:t>
             </a:r>
-            <a:endParaRPr lang="en-US" sz="2800" dirty="0">
-              <a:solidFill>
-                <a:schemeClr val="tx1"/>
-              </a:solidFill>
-            </a:endParaRPr>
           </a:p>
         </p:txBody>
       </p:sp>
@@ -9971,18 +9620,13 @@
           <a:p>
             <a:pPr algn="ctr"/>
             <a:r>
-              <a:rPr lang="en-US" sz="2800" dirty="0" smtClean="0">
+              <a:rPr lang="en-US" sz="2800" dirty="0">
                 <a:solidFill>
                   <a:schemeClr val="tx1"/>
                 </a:solidFill>
               </a:rPr>
               <a:t>0</a:t>
             </a:r>
-            <a:endParaRPr lang="en-US" sz="2800" dirty="0">
-              <a:solidFill>
-                <a:schemeClr val="tx1"/>
-              </a:solidFill>
-            </a:endParaRPr>
           </a:p>
         </p:txBody>
       </p:sp>
@@ -10029,18 +9673,13 @@
           <a:p>
             <a:pPr algn="ctr"/>
             <a:r>
-              <a:rPr lang="en-US" sz="2800" dirty="0" smtClean="0">
+              <a:rPr lang="en-US" sz="2800" dirty="0">
                 <a:solidFill>
                   <a:schemeClr val="tx1"/>
                 </a:solidFill>
               </a:rPr>
               <a:t>4</a:t>
             </a:r>
-            <a:endParaRPr lang="en-US" sz="2800" dirty="0">
-              <a:solidFill>
-                <a:schemeClr val="tx1"/>
-              </a:solidFill>
-            </a:endParaRPr>
           </a:p>
         </p:txBody>
       </p:sp>
@@ -10125,18 +9764,13 @@
           <a:p>
             <a:pPr algn="ctr"/>
             <a:r>
-              <a:rPr lang="en-US" sz="2800" dirty="0" smtClean="0">
+              <a:rPr lang="en-US" sz="2800" dirty="0">
                 <a:solidFill>
                   <a:schemeClr val="tx1"/>
                 </a:solidFill>
               </a:rPr>
               <a:t>1</a:t>
             </a:r>
-            <a:endParaRPr lang="en-US" sz="2800" dirty="0">
-              <a:solidFill>
-                <a:schemeClr val="tx1"/>
-              </a:solidFill>
-            </a:endParaRPr>
           </a:p>
         </p:txBody>
       </p:sp>
@@ -10183,18 +9817,13 @@
           <a:p>
             <a:pPr algn="ctr"/>
             <a:r>
-              <a:rPr lang="en-US" sz="2800" dirty="0" smtClean="0">
+              <a:rPr lang="en-US" sz="2800" dirty="0">
                 <a:solidFill>
                   <a:schemeClr val="tx1"/>
                 </a:solidFill>
               </a:rPr>
               <a:t>3</a:t>
             </a:r>
-            <a:endParaRPr lang="en-US" sz="2800" dirty="0">
-              <a:solidFill>
-                <a:schemeClr val="tx1"/>
-              </a:solidFill>
-            </a:endParaRPr>
           </a:p>
         </p:txBody>
       </p:sp>
